--- a/doc/MTP-MainLoop.pptx
+++ b/doc/MTP-MainLoop.pptx
@@ -290,7 +290,7 @@
           <a:p>
             <a:fld id="{A1321DF5-8422-4BA7-BDC4-4C74CA010B8D}" type="datetimeFigureOut">
               <a:rPr lang="en-US" smtClean="0"/>
-              <a:t>9/14/2015</a:t>
+              <a:t>9/16/2015</a:t>
             </a:fld>
             <a:endParaRPr lang="en-US"/>
           </a:p>
@@ -460,7 +460,7 @@
           <a:p>
             <a:fld id="{A1321DF5-8422-4BA7-BDC4-4C74CA010B8D}" type="datetimeFigureOut">
               <a:rPr lang="en-US" smtClean="0"/>
-              <a:t>9/14/2015</a:t>
+              <a:t>9/16/2015</a:t>
             </a:fld>
             <a:endParaRPr lang="en-US"/>
           </a:p>
@@ -640,7 +640,7 @@
           <a:p>
             <a:fld id="{A1321DF5-8422-4BA7-BDC4-4C74CA010B8D}" type="datetimeFigureOut">
               <a:rPr lang="en-US" smtClean="0"/>
-              <a:t>9/14/2015</a:t>
+              <a:t>9/16/2015</a:t>
             </a:fld>
             <a:endParaRPr lang="en-US"/>
           </a:p>
@@ -810,7 +810,7 @@
           <a:p>
             <a:fld id="{A1321DF5-8422-4BA7-BDC4-4C74CA010B8D}" type="datetimeFigureOut">
               <a:rPr lang="en-US" smtClean="0"/>
-              <a:t>9/14/2015</a:t>
+              <a:t>9/16/2015</a:t>
             </a:fld>
             <a:endParaRPr lang="en-US"/>
           </a:p>
@@ -1056,7 +1056,7 @@
           <a:p>
             <a:fld id="{A1321DF5-8422-4BA7-BDC4-4C74CA010B8D}" type="datetimeFigureOut">
               <a:rPr lang="en-US" smtClean="0"/>
-              <a:t>9/14/2015</a:t>
+              <a:t>9/16/2015</a:t>
             </a:fld>
             <a:endParaRPr lang="en-US"/>
           </a:p>
@@ -1344,7 +1344,7 @@
           <a:p>
             <a:fld id="{A1321DF5-8422-4BA7-BDC4-4C74CA010B8D}" type="datetimeFigureOut">
               <a:rPr lang="en-US" smtClean="0"/>
-              <a:t>9/14/2015</a:t>
+              <a:t>9/16/2015</a:t>
             </a:fld>
             <a:endParaRPr lang="en-US"/>
           </a:p>
@@ -1766,7 +1766,7 @@
           <a:p>
             <a:fld id="{A1321DF5-8422-4BA7-BDC4-4C74CA010B8D}" type="datetimeFigureOut">
               <a:rPr lang="en-US" smtClean="0"/>
-              <a:t>9/14/2015</a:t>
+              <a:t>9/16/2015</a:t>
             </a:fld>
             <a:endParaRPr lang="en-US"/>
           </a:p>
@@ -1884,7 +1884,7 @@
           <a:p>
             <a:fld id="{A1321DF5-8422-4BA7-BDC4-4C74CA010B8D}" type="datetimeFigureOut">
               <a:rPr lang="en-US" smtClean="0"/>
-              <a:t>9/14/2015</a:t>
+              <a:t>9/16/2015</a:t>
             </a:fld>
             <a:endParaRPr lang="en-US"/>
           </a:p>
@@ -1979,7 +1979,7 @@
           <a:p>
             <a:fld id="{A1321DF5-8422-4BA7-BDC4-4C74CA010B8D}" type="datetimeFigureOut">
               <a:rPr lang="en-US" smtClean="0"/>
-              <a:t>9/14/2015</a:t>
+              <a:t>9/16/2015</a:t>
             </a:fld>
             <a:endParaRPr lang="en-US"/>
           </a:p>
@@ -2256,7 +2256,7 @@
           <a:p>
             <a:fld id="{A1321DF5-8422-4BA7-BDC4-4C74CA010B8D}" type="datetimeFigureOut">
               <a:rPr lang="en-US" smtClean="0"/>
-              <a:t>9/14/2015</a:t>
+              <a:t>9/16/2015</a:t>
             </a:fld>
             <a:endParaRPr lang="en-US"/>
           </a:p>
@@ -2509,7 +2509,7 @@
           <a:p>
             <a:fld id="{A1321DF5-8422-4BA7-BDC4-4C74CA010B8D}" type="datetimeFigureOut">
               <a:rPr lang="en-US" smtClean="0"/>
-              <a:t>9/14/2015</a:t>
+              <a:t>9/16/2015</a:t>
             </a:fld>
             <a:endParaRPr lang="en-US"/>
           </a:p>
@@ -2722,7 +2722,7 @@
           <a:p>
             <a:fld id="{A1321DF5-8422-4BA7-BDC4-4C74CA010B8D}" type="datetimeFigureOut">
               <a:rPr lang="en-US" smtClean="0"/>
-              <a:t>9/14/2015</a:t>
+              <a:t>9/16/2015</a:t>
             </a:fld>
             <a:endParaRPr lang="en-US"/>
           </a:p>
@@ -3152,6 +3152,13 @@
   <p:clrMapOvr>
     <a:masterClrMapping/>
   </p:clrMapOvr>
+  <p:timing>
+    <p:tnLst>
+      <p:par>
+        <p:cTn id="1" dur="indefinite" restart="never" nodeType="tmRoot"/>
+      </p:par>
+    </p:tnLst>
+  </p:timing>
 </p:sld>
 </file>
 
@@ -3570,6 +3577,13 @@
   <p:clrMapOvr>
     <a:masterClrMapping/>
   </p:clrMapOvr>
+  <p:timing>
+    <p:tnLst>
+      <p:par>
+        <p:cTn id="1" dur="indefinite" restart="never" nodeType="tmRoot"/>
+      </p:par>
+    </p:tnLst>
+  </p:timing>
 </p:sld>
 </file>
 
@@ -3715,7 +3729,7 @@
         <p:spPr>
           <a:xfrm>
             <a:off x="874726" y="2058650"/>
-            <a:ext cx="2912785" cy="646331"/>
+            <a:ext cx="3333861" cy="646331"/>
           </a:xfrm>
           <a:prstGeom prst="rect">
             <a:avLst/>
@@ -3741,7 +3755,11 @@
           <a:p>
             <a:r>
               <a:rPr lang="en-US" dirty="0" smtClean="0"/>
-              <a:t>get scan Brightness Temps</a:t>
+              <a:t>get scan Brightness </a:t>
+            </a:r>
+            <a:r>
+              <a:rPr lang="en-US" dirty="0" smtClean="0"/>
+              <a:t>Temperatures</a:t>
             </a:r>
             <a:endParaRPr lang="en-US" dirty="0"/>
           </a:p>
@@ -3830,7 +3848,7 @@
         <p:spPr>
           <a:xfrm>
             <a:off x="2331119" y="1843036"/>
-            <a:ext cx="0" cy="215614"/>
+            <a:ext cx="210538" cy="215614"/>
           </a:xfrm>
           <a:prstGeom prst="straightConnector1">
             <a:avLst/>
@@ -3897,8 +3915,8 @@
         </p:nvSpPr>
         <p:spPr>
           <a:xfrm>
-            <a:off x="5152743" y="2456169"/>
-            <a:ext cx="3306867" cy="923330"/>
+            <a:off x="3481018" y="2871003"/>
+            <a:ext cx="4087273" cy="923330"/>
           </a:xfrm>
           <a:prstGeom prst="rect">
             <a:avLst/>
@@ -3918,8 +3936,13 @@
           <a:p>
             <a:r>
               <a:rPr lang="en-US" dirty="0" smtClean="0"/>
-              <a:t>Select Weighted Brightness Temp</a:t>
-            </a:r>
+              <a:t>Select Weighted Brightness </a:t>
+            </a:r>
+            <a:r>
+              <a:rPr lang="en-US" dirty="0" smtClean="0"/>
+              <a:t>Temperatures</a:t>
+            </a:r>
+            <a:endParaRPr lang="en-US" dirty="0" smtClean="0"/>
           </a:p>
           <a:p>
             <a:r>
@@ -3946,8 +3969,8 @@
         </p:nvCxnSpPr>
         <p:spPr>
           <a:xfrm>
-            <a:off x="2331119" y="2704981"/>
-            <a:ext cx="2821624" cy="212853"/>
+            <a:off x="2541657" y="2704981"/>
+            <a:ext cx="939361" cy="627687"/>
           </a:xfrm>
           <a:prstGeom prst="straightConnector1">
             <a:avLst/>
@@ -3981,9 +4004,9 @@
           <p:nvPr/>
         </p:nvCxnSpPr>
         <p:spPr>
-          <a:xfrm>
-            <a:off x="6806177" y="2141996"/>
-            <a:ext cx="0" cy="314173"/>
+          <a:xfrm flipH="1">
+            <a:off x="5524655" y="2141996"/>
+            <a:ext cx="1281522" cy="729007"/>
           </a:xfrm>
           <a:prstGeom prst="straightConnector1">
             <a:avLst/>
@@ -4015,7 +4038,7 @@
         </p:nvSpPr>
         <p:spPr>
           <a:xfrm>
-            <a:off x="2351791" y="3794333"/>
+            <a:off x="2351791" y="4043928"/>
             <a:ext cx="4403963" cy="923330"/>
           </a:xfrm>
           <a:prstGeom prst="rect">
@@ -4064,8 +4087,8 @@
         </p:nvCxnSpPr>
         <p:spPr>
           <a:xfrm>
-            <a:off x="2331119" y="2704981"/>
-            <a:ext cx="2222654" cy="1089352"/>
+            <a:off x="2541657" y="2704981"/>
+            <a:ext cx="2012116" cy="1338947"/>
           </a:xfrm>
           <a:prstGeom prst="straightConnector1">
             <a:avLst/>
@@ -4100,8 +4123,8 @@
         </p:nvCxnSpPr>
         <p:spPr>
           <a:xfrm flipH="1">
-            <a:off x="4553773" y="3379499"/>
-            <a:ext cx="2252404" cy="414834"/>
+            <a:off x="4553773" y="3794333"/>
+            <a:ext cx="970882" cy="249595"/>
           </a:xfrm>
           <a:prstGeom prst="straightConnector1">
             <a:avLst/>
@@ -4133,7 +4156,7 @@
         </p:nvSpPr>
         <p:spPr>
           <a:xfrm>
-            <a:off x="2943427" y="4968724"/>
+            <a:off x="2943427" y="5220477"/>
             <a:ext cx="3220690" cy="646331"/>
           </a:xfrm>
           <a:prstGeom prst="rect">
@@ -4174,7 +4197,7 @@
         </p:nvSpPr>
         <p:spPr>
           <a:xfrm>
-            <a:off x="3816134" y="5971719"/>
+            <a:off x="3816135" y="6156385"/>
             <a:ext cx="1475276" cy="369332"/>
           </a:xfrm>
           <a:prstGeom prst="rect">
@@ -4212,8 +4235,8 @@
         </p:nvCxnSpPr>
         <p:spPr>
           <a:xfrm flipH="1">
-            <a:off x="4553772" y="4717663"/>
-            <a:ext cx="1" cy="251061"/>
+            <a:off x="4553772" y="4967258"/>
+            <a:ext cx="1" cy="253219"/>
           </a:xfrm>
           <a:prstGeom prst="straightConnector1">
             <a:avLst/>
@@ -4248,8 +4271,8 @@
         </p:nvCxnSpPr>
         <p:spPr>
           <a:xfrm>
-            <a:off x="4553772" y="5615055"/>
-            <a:ext cx="0" cy="356664"/>
+            <a:off x="4553772" y="5866808"/>
+            <a:ext cx="1" cy="289577"/>
           </a:xfrm>
           <a:prstGeom prst="straightConnector1">
             <a:avLst/>
@@ -4283,7 +4306,7 @@
         </p:nvCxnSpPr>
         <p:spPr>
           <a:xfrm>
-            <a:off x="4553772" y="6341051"/>
+            <a:off x="4553773" y="6525717"/>
             <a:ext cx="0" cy="380273"/>
           </a:xfrm>
           <a:prstGeom prst="straightConnector1">
@@ -4480,6 +4503,13 @@
   <p:clrMapOvr>
     <a:masterClrMapping/>
   </p:clrMapOvr>
+  <p:timing>
+    <p:tnLst>
+      <p:par>
+        <p:cTn id="1" dur="indefinite" restart="never" nodeType="tmRoot"/>
+      </p:par>
+    </p:tnLst>
+  </p:timing>
 </p:sld>
 </file>
 
